--- a/mhw1.pptx
+++ b/mhw1.pptx
@@ -5,10 +5,11 @@
     <p:sldMasterId id="2147483648" r:id="rId1"/>
   </p:sldMasterIdLst>
   <p:sldIdLst>
-    <p:sldId id="256" r:id="rId2"/>
-    <p:sldId id="257" r:id="rId3"/>
-    <p:sldId id="258" r:id="rId4"/>
-    <p:sldId id="259" r:id="rId5"/>
+    <p:sldId id="260" r:id="rId2"/>
+    <p:sldId id="256" r:id="rId3"/>
+    <p:sldId id="257" r:id="rId4"/>
+    <p:sldId id="258" r:id="rId5"/>
+    <p:sldId id="259" r:id="rId6"/>
   </p:sldIdLst>
   <p:sldSz cx="12192000" cy="6858000"/>
   <p:notesSz cx="6858000" cy="9144000"/>
@@ -118,6 +119,7 @@
 <file path=ppt/revisionInfo.xml><?xml version="1.0" encoding="utf-8"?>
 <p1510:revInfo xmlns:a="http://schemas.openxmlformats.org/drawingml/2006/main" xmlns:r="http://schemas.openxmlformats.org/officeDocument/2006/relationships" xmlns:p1510="http://schemas.microsoft.com/office/powerpoint/2015/10/main">
   <p1510:revLst>
+    <p1510:client id="{5F3AE90B-62F6-4EFA-BC36-CE74CE9568FD}" v="50" dt="2021-03-26T19:13:54.972"/>
     <p1510:client id="{C153A94F-D65B-448A-A332-0F8C535B8060}" v="3028" dt="2021-03-26T13:18:05.920"/>
   </p1510:revLst>
 </p1510:revInfo>
@@ -938,6 +940,30 @@
       </pc:sldChg>
     </pc:docChg>
   </pc:docChgLst>
+  <pc:docChgLst>
+    <pc:chgData name="Emanuele Gurrieri" userId="4497d383120f6db4" providerId="Windows Live" clId="Web-{5F3AE90B-62F6-4EFA-BC36-CE74CE9568FD}"/>
+    <pc:docChg chg="addSld modSld sldOrd">
+      <pc:chgData name="Emanuele Gurrieri" userId="4497d383120f6db4" providerId="Windows Live" clId="Web-{5F3AE90B-62F6-4EFA-BC36-CE74CE9568FD}" dt="2021-03-26T19:13:54.972" v="29" actId="20577"/>
+      <pc:docMkLst>
+        <pc:docMk/>
+      </pc:docMkLst>
+      <pc:sldChg chg="modSp new ord">
+        <pc:chgData name="Emanuele Gurrieri" userId="4497d383120f6db4" providerId="Windows Live" clId="Web-{5F3AE90B-62F6-4EFA-BC36-CE74CE9568FD}" dt="2021-03-26T19:13:54.972" v="29" actId="20577"/>
+        <pc:sldMkLst>
+          <pc:docMk/>
+          <pc:sldMk cId="5727908" sldId="260"/>
+        </pc:sldMkLst>
+        <pc:spChg chg="mod">
+          <ac:chgData name="Emanuele Gurrieri" userId="4497d383120f6db4" providerId="Windows Live" clId="Web-{5F3AE90B-62F6-4EFA-BC36-CE74CE9568FD}" dt="2021-03-26T19:13:54.972" v="29" actId="20577"/>
+          <ac:spMkLst>
+            <pc:docMk/>
+            <pc:sldMk cId="5727908" sldId="260"/>
+            <ac:spMk id="2" creationId="{924E6094-6F05-475D-ADA9-1FD4B4BE88FD}"/>
+          </ac:spMkLst>
+        </pc:spChg>
+      </pc:sldChg>
+    </pc:docChg>
+  </pc:docChgLst>
 </pc:chgInfo>
 </file>
 
@@ -3784,6 +3810,88 @@
 <file path=ppt/slides/slide1.xml><?xml version="1.0" encoding="utf-8"?>
 <p:sld xmlns:a="http://schemas.openxmlformats.org/drawingml/2006/main" xmlns:r="http://schemas.openxmlformats.org/officeDocument/2006/relationships" xmlns:p="http://schemas.openxmlformats.org/presentationml/2006/main">
   <p:cSld>
+    <p:spTree>
+      <p:nvGrpSpPr>
+        <p:cNvPr id="1" name=""/>
+        <p:cNvGrpSpPr/>
+        <p:nvPr/>
+      </p:nvGrpSpPr>
+      <p:grpSpPr>
+        <a:xfrm>
+          <a:off x="0" y="0"/>
+          <a:ext cx="0" cy="0"/>
+          <a:chOff x="0" y="0"/>
+          <a:chExt cx="0" cy="0"/>
+        </a:xfrm>
+      </p:grpSpPr>
+      <p:sp>
+        <p:nvSpPr>
+          <p:cNvPr id="2" name="Titolo 1">
+            <a:extLst>
+              <a:ext uri="{FF2B5EF4-FFF2-40B4-BE49-F238E27FC236}">
+                <a16:creationId xmlns:a16="http://schemas.microsoft.com/office/drawing/2014/main" id="{924E6094-6F05-475D-ADA9-1FD4B4BE88FD}"/>
+              </a:ext>
+            </a:extLst>
+          </p:cNvPr>
+          <p:cNvSpPr>
+            <a:spLocks noGrp="1"/>
+          </p:cNvSpPr>
+          <p:nvPr>
+            <p:ph type="title"/>
+          </p:nvPr>
+        </p:nvSpPr>
+        <p:spPr>
+          <a:xfrm>
+            <a:off x="1098884" y="2761415"/>
+            <a:ext cx="10515600" cy="1325563"/>
+          </a:xfrm>
+        </p:spPr>
+        <p:txBody>
+          <a:bodyPr vert="horz" lIns="91440" tIns="45720" rIns="91440" bIns="45720" rtlCol="0" anchor="ctr">
+            <a:noAutofit/>
+          </a:bodyPr>
+          <a:lstStyle/>
+          <a:p>
+            <a:pPr algn="ctr"/>
+            <a:r>
+              <a:rPr lang="it-IT" sz="8000" b="1" dirty="0">
+                <a:latin typeface="Lucida Sans Unicode"/>
+                <a:cs typeface="Calibri Light"/>
+              </a:rPr>
+              <a:t>Emanuele Gurrieri </a:t>
+            </a:r>
+            <a:br>
+              <a:rPr lang="it-IT" sz="8000" b="1" dirty="0">
+                <a:latin typeface="Lucida Sans Unicode"/>
+                <a:cs typeface="Calibri Light"/>
+              </a:rPr>
+            </a:br>
+            <a:r>
+              <a:rPr lang="it-IT" sz="8000" b="1" dirty="0">
+                <a:latin typeface="Lucida Sans Unicode"/>
+                <a:cs typeface="Calibri Light"/>
+              </a:rPr>
+              <a:t>O46001995</a:t>
+            </a:r>
+          </a:p>
+        </p:txBody>
+      </p:sp>
+    </p:spTree>
+    <p:extLst>
+      <p:ext uri="{BB962C8B-B14F-4D97-AF65-F5344CB8AC3E}">
+        <p14:creationId xmlns:p14="http://schemas.microsoft.com/office/powerpoint/2010/main" val="5727908"/>
+      </p:ext>
+    </p:extLst>
+  </p:cSld>
+  <p:clrMapOvr>
+    <a:masterClrMapping/>
+  </p:clrMapOvr>
+</p:sld>
+</file>
+
+<file path=ppt/slides/slide2.xml><?xml version="1.0" encoding="utf-8"?>
+<p:sld xmlns:a="http://schemas.openxmlformats.org/drawingml/2006/main" xmlns:r="http://schemas.openxmlformats.org/officeDocument/2006/relationships" xmlns:p="http://schemas.openxmlformats.org/presentationml/2006/main">
+  <p:cSld>
     <p:bg>
       <p:bgPr>
         <a:solidFill>
@@ -6906,7 +7014,7 @@
 </p:sld>
 </file>
 
-<file path=ppt/slides/slide2.xml><?xml version="1.0" encoding="utf-8"?>
+<file path=ppt/slides/slide3.xml><?xml version="1.0" encoding="utf-8"?>
 <p:sld xmlns:a="http://schemas.openxmlformats.org/drawingml/2006/main" xmlns:r="http://schemas.openxmlformats.org/officeDocument/2006/relationships" xmlns:p="http://schemas.openxmlformats.org/presentationml/2006/main">
   <p:cSld>
     <p:bg>
@@ -7808,7 +7916,7 @@
 </p:sld>
 </file>
 
-<file path=ppt/slides/slide3.xml><?xml version="1.0" encoding="utf-8"?>
+<file path=ppt/slides/slide4.xml><?xml version="1.0" encoding="utf-8"?>
 <p:sld xmlns:a="http://schemas.openxmlformats.org/drawingml/2006/main" xmlns:r="http://schemas.openxmlformats.org/officeDocument/2006/relationships" xmlns:p="http://schemas.openxmlformats.org/presentationml/2006/main">
   <p:cSld>
     <p:bg>
@@ -8926,7 +9034,7 @@
 </p:sld>
 </file>
 
-<file path=ppt/slides/slide4.xml><?xml version="1.0" encoding="utf-8"?>
+<file path=ppt/slides/slide5.xml><?xml version="1.0" encoding="utf-8"?>
 <p:sld xmlns:a="http://schemas.openxmlformats.org/drawingml/2006/main" xmlns:r="http://schemas.openxmlformats.org/officeDocument/2006/relationships" xmlns:p="http://schemas.openxmlformats.org/presentationml/2006/main">
   <p:cSld>
     <p:bg>
